--- a/FakeNewsPowerPoint_D1.pptx
+++ b/FakeNewsPowerPoint_D1.pptx
@@ -12855,8 +12855,9 @@
   <p:cSld>
     <p:bg>
       <p:bgPr>
-        <a:blipFill>
+        <a:blipFill dpi="0" rotWithShape="1">
           <a:blip r:embed="rId3">
+            <a:alphaModFix amt="15000"/>
             <a:duotone>
               <a:schemeClr val="bg2">
                 <a:shade val="88000"/>
@@ -12871,6 +12872,7 @@
                 <a:lumMod val="160000"/>
               </a:schemeClr>
             </a:duotone>
+            <a:lum/>
             <a:extLst>
               <a:ext uri="{BEBA8EAE-BF5A-486C-A8C5-ECC9F3942E4B}">
                 <a14:imgProps xmlns:a14="http://schemas.microsoft.com/office/drawing/2010/main">
@@ -12886,7 +12888,10 @@
               </a:ext>
             </a:extLst>
           </a:blip>
-          <a:stretch/>
+          <a:srcRect/>
+          <a:stretch>
+            <a:fillRect/>
+          </a:stretch>
         </a:blipFill>
         <a:effectLst/>
       </p:bgPr>
@@ -14178,40 +14183,6 @@
           </a:p>
         </p:txBody>
       </p:sp>
-      <p:pic>
-        <p:nvPicPr>
-          <p:cNvPr id="29" name="Picture 28" descr="Graphical user interface, text, application&#10;&#10;Description automatically generated">
-            <a:extLst>
-              <a:ext uri="{FF2B5EF4-FFF2-40B4-BE49-F238E27FC236}">
-                <a16:creationId xmlns:a16="http://schemas.microsoft.com/office/drawing/2014/main" id="{92E0BB99-3815-20D2-61CE-1B20B0C4DCC8}"/>
-              </a:ext>
-            </a:extLst>
-          </p:cNvPr>
-          <p:cNvPicPr>
-            <a:picLocks noChangeAspect="1"/>
-          </p:cNvPicPr>
-          <p:nvPr/>
-        </p:nvPicPr>
-        <p:blipFill rotWithShape="1">
-          <a:blip r:embed="rId8"/>
-          <a:srcRect t="40000" r="43373"/>
-          <a:stretch/>
-        </p:blipFill>
-        <p:spPr>
-          <a:xfrm>
-            <a:off x="5511684" y="850392"/>
-            <a:ext cx="2656968" cy="1302746"/>
-          </a:xfrm>
-          <a:prstGeom prst="rect">
-            <a:avLst/>
-          </a:prstGeom>
-          <a:ln>
-            <a:solidFill>
-              <a:schemeClr val="bg2"/>
-            </a:solidFill>
-          </a:ln>
-        </p:spPr>
-      </p:pic>
       <p:sp>
         <p:nvSpPr>
           <p:cNvPr id="30" name="Text Placeholder 5">
@@ -14441,7 +14412,7 @@
           <p:nvPr/>
         </p:nvPicPr>
         <p:blipFill>
-          <a:blip r:embed="rId9"/>
+          <a:blip r:embed="rId8"/>
           <a:stretch>
             <a:fillRect/>
           </a:stretch>
@@ -14690,13 +14661,13 @@
           <p:nvPr/>
         </p:nvPicPr>
         <p:blipFill>
-          <a:blip r:embed="rId10">
+          <a:blip r:embed="rId9">
             <a:grayscl/>
             <a:alphaModFix amt="74000"/>
             <a:extLst>
               <a:ext uri="{BEBA8EAE-BF5A-486C-A8C5-ECC9F3942E4B}">
                 <a14:imgProps xmlns:a14="http://schemas.microsoft.com/office/drawing/2010/main">
-                  <a14:imgLayer r:embed="rId11">
+                  <a14:imgLayer r:embed="rId10">
                     <a14:imgEffect>
                       <a14:colorTemperature colorTemp="5551"/>
                     </a14:imgEffect>
@@ -15163,6 +15134,36 @@
           </a:p>
         </p:txBody>
       </p:sp>
+      <p:pic>
+        <p:nvPicPr>
+          <p:cNvPr id="60" name="Picture 59">
+            <a:extLst>
+              <a:ext uri="{FF2B5EF4-FFF2-40B4-BE49-F238E27FC236}">
+                <a16:creationId xmlns:a16="http://schemas.microsoft.com/office/drawing/2014/main" id="{CD037E4C-6DAE-5EEA-BE17-74221779A451}"/>
+              </a:ext>
+            </a:extLst>
+          </p:cNvPr>
+          <p:cNvPicPr>
+            <a:picLocks noChangeAspect="1"/>
+          </p:cNvPicPr>
+          <p:nvPr/>
+        </p:nvPicPr>
+        <p:blipFill>
+          <a:blip r:embed="rId11"/>
+          <a:stretch>
+            <a:fillRect/>
+          </a:stretch>
+        </p:blipFill>
+        <p:spPr>
+          <a:xfrm>
+            <a:off x="5518978" y="853403"/>
+            <a:ext cx="2630176" cy="1276948"/>
+          </a:xfrm>
+          <a:prstGeom prst="rect">
+            <a:avLst/>
+          </a:prstGeom>
+        </p:spPr>
+      </p:pic>
     </p:spTree>
     <p:extLst>
       <p:ext uri="{BB962C8B-B14F-4D97-AF65-F5344CB8AC3E}">
